--- a/Documentations/REVIEW-2.pptx
+++ b/Documentations/REVIEW-2.pptx
@@ -492,7 +492,7 @@
           <a:p>
             <a:fld id="{0C942AD9-36DE-4DD0-AF0A-E211DB78D0B5}" type="datetimeFigureOut">
               <a:rPr lang="en-US" smtClean="0"/>
-              <a:t>10/28/2024</a:t>
+              <a:t>6/5/2025</a:t>
             </a:fld>
             <a:endParaRPr lang="en-US"/>
           </a:p>
@@ -1146,7 +1146,7 @@
           <a:p>
             <a:fld id="{3E910487-5D6A-4BE3-9FAB-5E3220BC1D4C}" type="datetime1">
               <a:rPr lang="en-US" smtClean="0"/>
-              <a:t>10/28/2024</a:t>
+              <a:t>6/5/2025</a:t>
             </a:fld>
             <a:endParaRPr lang="en-US"/>
           </a:p>
@@ -1317,7 +1317,7 @@
           <a:p>
             <a:fld id="{A3730396-9A86-413C-9D0A-AB7E54102CAF}" type="datetime1">
               <a:rPr lang="en-US" smtClean="0"/>
-              <a:t>10/28/2024</a:t>
+              <a:t>6/5/2025</a:t>
             </a:fld>
             <a:endParaRPr lang="en-US"/>
           </a:p>
@@ -1498,7 +1498,7 @@
           <a:p>
             <a:fld id="{67D2EF00-CCE7-4E9E-924E-D0B1C551EDB1}" type="datetime1">
               <a:rPr lang="en-US" smtClean="0"/>
-              <a:t>10/28/2024</a:t>
+              <a:t>6/5/2025</a:t>
             </a:fld>
             <a:endParaRPr lang="en-US"/>
           </a:p>
@@ -1669,7 +1669,7 @@
           <a:p>
             <a:fld id="{6CACFC53-FD4F-4319-A4E0-67CFC24F7E7D}" type="datetime1">
               <a:rPr lang="en-US" smtClean="0"/>
-              <a:t>10/28/2024</a:t>
+              <a:t>6/5/2025</a:t>
             </a:fld>
             <a:endParaRPr lang="en-US"/>
           </a:p>
@@ -1917,7 +1917,7 @@
           <a:p>
             <a:fld id="{3C6D16A9-8723-43BB-80D7-7D0C6054EE50}" type="datetime1">
               <a:rPr lang="en-US" smtClean="0"/>
-              <a:t>10/28/2024</a:t>
+              <a:t>6/5/2025</a:t>
             </a:fld>
             <a:endParaRPr lang="en-US"/>
           </a:p>
@@ -2205,7 +2205,7 @@
           <a:p>
             <a:fld id="{F4EF93C6-B205-4C5C-91A0-0B77CA221344}" type="datetime1">
               <a:rPr lang="en-US" smtClean="0"/>
-              <a:t>10/28/2024</a:t>
+              <a:t>6/5/2025</a:t>
             </a:fld>
             <a:endParaRPr lang="en-US"/>
           </a:p>
@@ -2627,7 +2627,7 @@
           <a:p>
             <a:fld id="{D4FFE712-06A6-4D00-8662-25A1A0035CB6}" type="datetime1">
               <a:rPr lang="en-US" smtClean="0"/>
-              <a:t>10/28/2024</a:t>
+              <a:t>6/5/2025</a:t>
             </a:fld>
             <a:endParaRPr lang="en-US"/>
           </a:p>
@@ -2747,7 +2747,7 @@
           <a:p>
             <a:fld id="{598FBAF0-DD34-492F-B85D-3415A88A10C6}" type="datetime1">
               <a:rPr lang="en-US" smtClean="0"/>
-              <a:t>10/28/2024</a:t>
+              <a:t>6/5/2025</a:t>
             </a:fld>
             <a:endParaRPr lang="en-US"/>
           </a:p>
@@ -2845,7 +2845,7 @@
           <a:p>
             <a:fld id="{24ECBC24-44C7-4BAB-B59F-5308A135793E}" type="datetime1">
               <a:rPr lang="en-US" smtClean="0"/>
-              <a:t>10/28/2024</a:t>
+              <a:t>6/5/2025</a:t>
             </a:fld>
             <a:endParaRPr lang="en-US"/>
           </a:p>
@@ -3123,7 +3123,7 @@
           <a:p>
             <a:fld id="{CA88E850-352C-44CF-888E-DA1FEB33E7D4}" type="datetime1">
               <a:rPr lang="en-US" smtClean="0"/>
-              <a:t>10/28/2024</a:t>
+              <a:t>6/5/2025</a:t>
             </a:fld>
             <a:endParaRPr lang="en-US"/>
           </a:p>
@@ -3378,7 +3378,7 @@
           <a:p>
             <a:fld id="{4F0EAABE-EA80-4C48-A2C7-56B81FAFCA65}" type="datetime1">
               <a:rPr lang="en-US" smtClean="0"/>
-              <a:t>10/28/2024</a:t>
+              <a:t>6/5/2025</a:t>
             </a:fld>
             <a:endParaRPr lang="en-US"/>
           </a:p>
@@ -3592,7 +3592,7 @@
           <a:p>
             <a:fld id="{F3E0E89B-7A17-46FA-9691-B245D84018AA}" type="datetime1">
               <a:rPr lang="en-US" smtClean="0"/>
-              <a:t>10/28/2024</a:t>
+              <a:t>6/5/2025</a:t>
             </a:fld>
             <a:endParaRPr lang="en-US"/>
           </a:p>
@@ -4231,14 +4231,14 @@
           <p:nvPr>
             <p:extLst>
               <p:ext uri="{D42A27DB-BD31-4B8C-83A1-F6EECF244321}">
-                <p14:modId xmlns:p14="http://schemas.microsoft.com/office/powerpoint/2010/main" val="1791048890"/>
+                <p14:modId xmlns:p14="http://schemas.microsoft.com/office/powerpoint/2010/main" val="3795952552"/>
               </p:ext>
             </p:extLst>
           </p:nvPr>
         </p:nvGraphicFramePr>
         <p:xfrm>
           <a:off x="457200" y="4489439"/>
-          <a:ext cx="8305800" cy="2060595"/>
+          <a:ext cx="8305800" cy="1577899"/>
         </p:xfrm>
         <a:graphic>
           <a:graphicData uri="http://schemas.openxmlformats.org/drawingml/2006/table">
@@ -4262,7 +4262,7 @@
                   </a:extLst>
                 </a:gridCol>
               </a:tblGrid>
-              <a:tr h="312275">
+              <a:tr h="318232">
                 <a:tc>
                   <a:txBody>
                     <a:bodyPr/>
@@ -4443,7 +4443,7 @@
                   </a:ext>
                 </a:extLst>
               </a:tr>
-              <a:tr h="1393200">
+              <a:tr h="1212129">
                 <a:tc>
                   <a:txBody>
                     <a:bodyPr/>
@@ -4463,45 +4463,8 @@
                       </a:pPr>
                       <a:r>
                         <a:rPr lang="en-US" sz="1800" dirty="0"/>
-                        <a:t>P KIRAN             :RA2311003020532</a:t>
-                      </a:r>
-                    </a:p>
-                    <a:p>
-                      <a:pPr marL="0" marR="0" lvl="0" indent="0" algn="l" rtl="0">
-                        <a:lnSpc>
-                          <a:spcPct val="150000"/>
-                        </a:lnSpc>
-                        <a:spcBef>
-                          <a:spcPts val="0"/>
-                        </a:spcBef>
-                        <a:spcAft>
-                          <a:spcPts val="0"/>
-                        </a:spcAft>
-                        <a:buNone/>
-                      </a:pPr>
-                      <a:r>
-                        <a:rPr lang="en-US" sz="1800" dirty="0"/>
                         <a:t>S SUJAN             :RA2311003020537</a:t>
                       </a:r>
-                    </a:p>
-                    <a:p>
-                      <a:pPr marL="0" marR="0" lvl="0" indent="0" algn="l" rtl="0">
-                        <a:lnSpc>
-                          <a:spcPct val="150000"/>
-                        </a:lnSpc>
-                        <a:spcBef>
-                          <a:spcPts val="0"/>
-                        </a:spcBef>
-                        <a:spcAft>
-                          <a:spcPts val="0"/>
-                        </a:spcAft>
-                        <a:buNone/>
-                      </a:pPr>
-                      <a:r>
-                        <a:rPr lang="en-US" sz="1800" dirty="0"/>
-                        <a:t>S MUNI AJEY     :RA2311003020541</a:t>
-                      </a:r>
-                      <a:endParaRPr dirty="0"/>
                     </a:p>
                     <a:p>
                       <a:pPr marL="0" marR="0" lvl="0" indent="0" algn="l" rtl="0">
@@ -4753,7 +4716,7 @@
         <p14:vortex dir="r"/>
       </p:transition>
     </mc:Choice>
-    <mc:Fallback xmlns:ahyp="http://schemas.microsoft.com/office/drawing/2018/hyperlinkcolor" xmlns:p15="http://schemas.microsoft.com/office/powerpoint/2012/main" xmlns:com="http://schemas.openxmlformats.org/drawingml/2006/compatibility" xmlns:pvml="urn:schemas-microsoft-com:office:powerpoint" xmlns:v="urn:schemas-microsoft-com:vml" xmlns:o="urn:schemas-microsoft-com:office:office" xmlns:dgm="http://schemas.openxmlformats.org/drawingml/2006/diagram" xmlns:c="http://schemas.openxmlformats.org/drawingml/2006/chart" xmlns:mv="urn:schemas-microsoft-com:mac:vml" xmlns="">
+    <mc:Fallback xmlns="" xmlns:mv="urn:schemas-microsoft-com:mac:vml" xmlns:c="http://schemas.openxmlformats.org/drawingml/2006/chart" xmlns:dgm="http://schemas.openxmlformats.org/drawingml/2006/diagram" xmlns:o="urn:schemas-microsoft-com:office:office" xmlns:v="urn:schemas-microsoft-com:vml" xmlns:pvml="urn:schemas-microsoft-com:office:powerpoint" xmlns:com="http://schemas.openxmlformats.org/drawingml/2006/compatibility" xmlns:p15="http://schemas.microsoft.com/office/powerpoint/2012/main" xmlns:ahyp="http://schemas.microsoft.com/office/drawing/2018/hyperlinkcolor">
       <p:transition spd="med">
         <p:fade/>
       </p:transition>
@@ -4832,7 +4795,7 @@
           <a:p>
             <a:fld id="{6CACFC53-FD4F-4319-A4E0-67CFC24F7E7D}" type="datetime1">
               <a:rPr lang="en-US" smtClean="0"/>
-              <a:t>10/28/2024</a:t>
+              <a:t>6/5/2025</a:t>
             </a:fld>
             <a:endParaRPr lang="en-US"/>
           </a:p>
@@ -6100,7 +6063,7 @@
           <a:p>
             <a:fld id="{6CACFC53-FD4F-4319-A4E0-67CFC24F7E7D}" type="datetime1">
               <a:rPr lang="en-US" smtClean="0"/>
-              <a:t>10/28/2024</a:t>
+              <a:t>6/5/2025</a:t>
             </a:fld>
             <a:endParaRPr lang="en-US"/>
           </a:p>
@@ -6776,7 +6739,7 @@
           <a:p>
             <a:fld id="{6CACFC53-FD4F-4319-A4E0-67CFC24F7E7D}" type="datetime1">
               <a:rPr lang="en-US" smtClean="0"/>
-              <a:t>10/28/2024</a:t>
+              <a:t>6/5/2025</a:t>
             </a:fld>
             <a:endParaRPr lang="en-US"/>
           </a:p>
@@ -8018,7 +7981,7 @@
           <a:p>
             <a:fld id="{6CACFC53-FD4F-4319-A4E0-67CFC24F7E7D}" type="datetime1">
               <a:rPr lang="en-US" smtClean="0"/>
-              <a:t>10/28/2024</a:t>
+              <a:t>6/5/2025</a:t>
             </a:fld>
             <a:endParaRPr lang="en-US"/>
           </a:p>
@@ -8329,7 +8292,7 @@
           <a:p>
             <a:fld id="{6CACFC53-FD4F-4319-A4E0-67CFC24F7E7D}" type="datetime1">
               <a:rPr lang="en-US" smtClean="0"/>
-              <a:t>10/28/2024</a:t>
+              <a:t>6/5/2025</a:t>
             </a:fld>
             <a:endParaRPr lang="en-US"/>
           </a:p>
@@ -8612,7 +8575,7 @@
           <a:p>
             <a:fld id="{6CACFC53-FD4F-4319-A4E0-67CFC24F7E7D}" type="datetime1">
               <a:rPr lang="en-US" smtClean="0"/>
-              <a:t>10/28/2024</a:t>
+              <a:t>6/5/2025</a:t>
             </a:fld>
             <a:endParaRPr lang="en-US"/>
           </a:p>
@@ -8858,7 +8821,7 @@
           <a:p>
             <a:fld id="{10BCDF7D-BCA5-4DFE-A593-724F92FEC62D}" type="datetime1">
               <a:rPr lang="en-US" smtClean="0"/>
-              <a:t>10/28/2024</a:t>
+              <a:t>6/5/2025</a:t>
             </a:fld>
             <a:endParaRPr lang="en-US"/>
           </a:p>
@@ -9050,7 +9013,7 @@
           <a:p>
             <a:fld id="{52ACE733-CAD7-4D04-BC4D-B9C75DB4404F}" type="datetime1">
               <a:rPr lang="en-US" smtClean="0"/>
-              <a:t>10/28/2024</a:t>
+              <a:t>6/5/2025</a:t>
             </a:fld>
             <a:endParaRPr lang="en-US"/>
           </a:p>
@@ -9287,7 +9250,7 @@
           <a:p>
             <a:fld id="{6CACFC53-FD4F-4319-A4E0-67CFC24F7E7D}" type="datetime1">
               <a:rPr lang="en-US" smtClean="0"/>
-              <a:t>10/28/2024</a:t>
+              <a:t>6/5/2025</a:t>
             </a:fld>
             <a:endParaRPr lang="en-US"/>
           </a:p>
@@ -9533,7 +9496,7 @@
           <a:p>
             <a:fld id="{08C09536-1FE1-496D-8A61-A70EDA8387FB}" type="datetime1">
               <a:rPr lang="en-US" smtClean="0"/>
-              <a:t>10/28/2024</a:t>
+              <a:t>6/5/2025</a:t>
             </a:fld>
             <a:endParaRPr lang="en-US"/>
           </a:p>
@@ -9724,7 +9687,7 @@
           <a:p>
             <a:fld id="{6CACFC53-FD4F-4319-A4E0-67CFC24F7E7D}" type="datetime1">
               <a:rPr lang="en-US" smtClean="0"/>
-              <a:t>10/28/2024</a:t>
+              <a:t>6/5/2025</a:t>
             </a:fld>
             <a:endParaRPr lang="en-US"/>
           </a:p>
@@ -10002,7 +9965,7 @@
           <a:p>
             <a:fld id="{6CACFC53-FD4F-4319-A4E0-67CFC24F7E7D}" type="datetime1">
               <a:rPr lang="en-US" smtClean="0"/>
-              <a:t>10/28/2024</a:t>
+              <a:t>6/5/2025</a:t>
             </a:fld>
             <a:endParaRPr lang="en-US"/>
           </a:p>
@@ -10153,7 +10116,7 @@
           <a:p>
             <a:fld id="{6CACFC53-FD4F-4319-A4E0-67CFC24F7E7D}" type="datetime1">
               <a:rPr lang="en-US" smtClean="0"/>
-              <a:t>10/28/2024</a:t>
+              <a:t>6/5/2025</a:t>
             </a:fld>
             <a:endParaRPr lang="en-US"/>
           </a:p>
@@ -10334,7 +10297,7 @@
           <a:p>
             <a:fld id="{6CACFC53-FD4F-4319-A4E0-67CFC24F7E7D}" type="datetime1">
               <a:rPr lang="en-US" smtClean="0"/>
-              <a:t>10/28/2024</a:t>
+              <a:t>6/5/2025</a:t>
             </a:fld>
             <a:endParaRPr lang="en-US"/>
           </a:p>
